--- a/Docs/Silex.pptx
+++ b/Docs/Silex.pptx
@@ -15,7 +15,7 @@
     <p:sldId id="264" r:id="rId9"/>
     <p:sldId id="265" r:id="rId10"/>
     <p:sldId id="268" r:id="rId11"/>
-    <p:sldId id="266" r:id="rId12"/>
+    <p:sldId id="273" r:id="rId12"/>
     <p:sldId id="267" r:id="rId13"/>
     <p:sldId id="269" r:id="rId14"/>
     <p:sldId id="270" r:id="rId15"/>
@@ -311,7 +311,7 @@
           <a:p>
             <a:fld id="{11CF075B-297D-462B-86C2-45313EAE1570}" type="datetimeFigureOut">
               <a:rPr lang="en-US" smtClean="0"/>
-              <a:t>7/15/2016</a:t>
+              <a:t>7/16/2016</a:t>
             </a:fld>
             <a:endParaRPr lang="en-US"/>
           </a:p>
@@ -476,7 +476,7 @@
           <a:p>
             <a:fld id="{11CF075B-297D-462B-86C2-45313EAE1570}" type="datetimeFigureOut">
               <a:rPr lang="en-US" smtClean="0"/>
-              <a:t>7/15/2016</a:t>
+              <a:t>7/16/2016</a:t>
             </a:fld>
             <a:endParaRPr lang="en-US"/>
           </a:p>
@@ -651,7 +651,7 @@
           <a:p>
             <a:fld id="{11CF075B-297D-462B-86C2-45313EAE1570}" type="datetimeFigureOut">
               <a:rPr lang="en-US" smtClean="0"/>
-              <a:t>7/15/2016</a:t>
+              <a:t>7/16/2016</a:t>
             </a:fld>
             <a:endParaRPr lang="en-US"/>
           </a:p>
@@ -816,7 +816,7 @@
           <a:p>
             <a:fld id="{11CF075B-297D-462B-86C2-45313EAE1570}" type="datetimeFigureOut">
               <a:rPr lang="en-US" smtClean="0"/>
-              <a:t>7/15/2016</a:t>
+              <a:t>7/16/2016</a:t>
             </a:fld>
             <a:endParaRPr lang="en-US"/>
           </a:p>
@@ -1058,7 +1058,7 @@
           <a:p>
             <a:fld id="{11CF075B-297D-462B-86C2-45313EAE1570}" type="datetimeFigureOut">
               <a:rPr lang="en-US" smtClean="0"/>
-              <a:t>7/15/2016</a:t>
+              <a:t>7/16/2016</a:t>
             </a:fld>
             <a:endParaRPr lang="en-US"/>
           </a:p>
@@ -1322,7 +1322,7 @@
           <a:p>
             <a:fld id="{11CF075B-297D-462B-86C2-45313EAE1570}" type="datetimeFigureOut">
               <a:rPr lang="en-US" smtClean="0"/>
-              <a:t>7/15/2016</a:t>
+              <a:t>7/16/2016</a:t>
             </a:fld>
             <a:endParaRPr lang="en-US"/>
           </a:p>
@@ -1700,7 +1700,7 @@
           <a:p>
             <a:fld id="{11CF075B-297D-462B-86C2-45313EAE1570}" type="datetimeFigureOut">
               <a:rPr lang="en-US" smtClean="0"/>
-              <a:t>7/15/2016</a:t>
+              <a:t>7/16/2016</a:t>
             </a:fld>
             <a:endParaRPr lang="en-US"/>
           </a:p>
@@ -1850,7 +1850,7 @@
           <a:p>
             <a:fld id="{11CF075B-297D-462B-86C2-45313EAE1570}" type="datetimeFigureOut">
               <a:rPr lang="en-US" smtClean="0"/>
-              <a:t>7/15/2016</a:t>
+              <a:t>7/16/2016</a:t>
             </a:fld>
             <a:endParaRPr lang="en-US"/>
           </a:p>
@@ -1940,7 +1940,7 @@
           <a:p>
             <a:fld id="{11CF075B-297D-462B-86C2-45313EAE1570}" type="datetimeFigureOut">
               <a:rPr lang="en-US" smtClean="0"/>
-              <a:t>7/15/2016</a:t>
+              <a:t>7/16/2016</a:t>
             </a:fld>
             <a:endParaRPr lang="en-US"/>
           </a:p>
@@ -2201,7 +2201,7 @@
           <a:p>
             <a:fld id="{11CF075B-297D-462B-86C2-45313EAE1570}" type="datetimeFigureOut">
               <a:rPr lang="en-US" smtClean="0"/>
-              <a:t>7/15/2016</a:t>
+              <a:t>7/16/2016</a:t>
             </a:fld>
             <a:endParaRPr lang="en-US"/>
           </a:p>
@@ -2489,7 +2489,7 @@
           <a:p>
             <a:fld id="{11CF075B-297D-462B-86C2-45313EAE1570}" type="datetimeFigureOut">
               <a:rPr lang="en-US" smtClean="0"/>
-              <a:t>7/15/2016</a:t>
+              <a:t>7/16/2016</a:t>
             </a:fld>
             <a:endParaRPr lang="en-US"/>
           </a:p>
@@ -3260,7 +3260,7 @@
           <a:p>
             <a:fld id="{11CF075B-297D-462B-86C2-45313EAE1570}" type="datetimeFigureOut">
               <a:rPr lang="en-US" smtClean="0"/>
-              <a:t>7/15/2016</a:t>
+              <a:t>7/16/2016</a:t>
             </a:fld>
             <a:endParaRPr lang="en-US"/>
           </a:p>
@@ -3918,13 +3918,8 @@
           <a:p>
             <a:r>
               <a:rPr lang="en-US" dirty="0" smtClean="0"/>
-              <a:t>PHP</a:t>
-            </a:r>
-            <a:r>
-              <a:rPr lang="en-US" dirty="0" smtClean="0"/>
-              <a:t> micro-framework</a:t>
-            </a:r>
-            <a:endParaRPr lang="en-US" dirty="0" smtClean="0"/>
+              <a:t>PHP micro-framework</a:t>
+            </a:r>
           </a:p>
           <a:p>
             <a:endParaRPr lang="en-US" dirty="0"/>
@@ -3936,6 +3931,13 @@
   <p:clrMapOvr>
     <a:masterClrMapping/>
   </p:clrMapOvr>
+  <p:timing>
+    <p:tnLst>
+      <p:par>
+        <p:cTn id="1" dur="indefinite" restart="never" nodeType="tmRoot"/>
+      </p:par>
+    </p:tnLst>
+  </p:timing>
 </p:sld>
 </file>
 
@@ -4010,7 +4012,15 @@
             </a:r>
             <a:r>
               <a:rPr lang="en-US" dirty="0" smtClean="0"/>
-              <a:t> -- composer </a:t>
+              <a:t> </a:t>
+            </a:r>
+            <a:endParaRPr lang="en-US" dirty="0"/>
+          </a:p>
+          <a:p>
+            <a:pPr lvl="1"/>
+            <a:r>
+              <a:rPr lang="en-US" dirty="0" smtClean="0"/>
+              <a:t>composer </a:t>
             </a:r>
             <a:r>
               <a:rPr lang="en-US" dirty="0"/>
@@ -4041,11 +4051,19 @@
             </a:r>
             <a:r>
               <a:rPr lang="en-US" dirty="0" smtClean="0"/>
-              <a:t>Install Doctrine -- </a:t>
+              <a:t>Install Doctrine </a:t>
+            </a:r>
+            <a:endParaRPr lang="en-US" dirty="0"/>
+          </a:p>
+          <a:p>
+            <a:pPr lvl="1"/>
+            <a:r>
+              <a:rPr lang="en-IN" dirty="0" smtClean="0"/>
+              <a:t>composer </a:t>
             </a:r>
             <a:r>
               <a:rPr lang="en-IN" dirty="0"/>
-              <a:t>composer require "doctrine/</a:t>
+              <a:t>require "doctrine/</a:t>
             </a:r>
             <a:r>
               <a:rPr lang="en-IN" dirty="0" err="1"/>
@@ -4059,13 +4077,40 @@
           <a:p>
             <a:r>
               <a:rPr lang="en-US" dirty="0" smtClean="0"/>
-              <a:t>Install Monolog – composer require monolog/monolog</a:t>
-            </a:r>
-          </a:p>
-          <a:p>
-            <a:r>
-              <a:rPr lang="en-US" dirty="0" smtClean="0"/>
-              <a:t>Install twig --  composer require twig/twig</a:t>
+              <a:t>Install </a:t>
+            </a:r>
+            <a:r>
+              <a:rPr lang="en-US" dirty="0" smtClean="0"/>
+              <a:t>Monolog</a:t>
+            </a:r>
+          </a:p>
+          <a:p>
+            <a:pPr lvl="1"/>
+            <a:r>
+              <a:rPr lang="en-US" dirty="0" smtClean="0"/>
+              <a:t> </a:t>
+            </a:r>
+            <a:r>
+              <a:rPr lang="en-US" dirty="0" smtClean="0"/>
+              <a:t>composer require monolog/monolog</a:t>
+            </a:r>
+          </a:p>
+          <a:p>
+            <a:r>
+              <a:rPr lang="en-US" dirty="0" smtClean="0"/>
+              <a:t>Install twig </a:t>
+            </a:r>
+            <a:endParaRPr lang="en-US" dirty="0"/>
+          </a:p>
+          <a:p>
+            <a:pPr lvl="1"/>
+            <a:r>
+              <a:rPr lang="en-US" dirty="0" smtClean="0"/>
+              <a:t> </a:t>
+            </a:r>
+            <a:r>
+              <a:rPr lang="en-US" dirty="0" smtClean="0"/>
+              <a:t>composer require twig/twig</a:t>
             </a:r>
             <a:endParaRPr lang="en-IN" dirty="0"/>
           </a:p>
@@ -4128,76 +4173,112 @@
           </a:p>
         </p:txBody>
       </p:sp>
-      <p:pic>
-        <p:nvPicPr>
-          <p:cNvPr id="4" name="Content Placeholder 3"/>
-          <p:cNvPicPr>
-            <a:picLocks noGrp="1" noChangeAspect="1"/>
-          </p:cNvPicPr>
+      <p:sp>
+        <p:nvSpPr>
+          <p:cNvPr id="3" name="Content Placeholder 2"/>
+          <p:cNvSpPr>
+            <a:spLocks noGrp="1"/>
+          </p:cNvSpPr>
           <p:nvPr>
             <p:ph idx="1"/>
           </p:nvPr>
-        </p:nvPicPr>
-        <p:blipFill>
-          <a:blip r:embed="rId2"/>
-          <a:stretch>
-            <a:fillRect/>
-          </a:stretch>
-        </p:blipFill>
-        <p:spPr>
-          <a:xfrm>
-            <a:off x="838200" y="2057400"/>
-            <a:ext cx="6123176" cy="1356519"/>
-          </a:xfrm>
-          <a:prstGeom prst="rect">
-            <a:avLst/>
-          </a:prstGeom>
-        </p:spPr>
-      </p:pic>
-      <p:sp>
-        <p:nvSpPr>
-          <p:cNvPr id="38" name="TextBox 37"/>
-          <p:cNvSpPr txBox="1"/>
-          <p:nvPr/>
-        </p:nvSpPr>
-        <p:spPr>
-          <a:xfrm>
-            <a:off x="1066800" y="3810000"/>
-            <a:ext cx="6553200" cy="1477328"/>
-          </a:xfrm>
-          <a:prstGeom prst="rect">
-            <a:avLst/>
-          </a:prstGeom>
-          <a:noFill/>
-        </p:spPr>
-        <p:txBody>
-          <a:bodyPr wrap="square" rtlCol="0">
-            <a:spAutoFit/>
+        </p:nvSpPr>
+        <p:spPr/>
+        <p:txBody>
+          <a:bodyPr>
+            <a:normAutofit lnSpcReduction="10000"/>
           </a:bodyPr>
           <a:lstStyle/>
           <a:p>
             <a:r>
-              <a:rPr lang="en-US" b="1" dirty="0" smtClean="0"/>
-              <a:t>Composer.js structure</a:t>
-            </a:r>
-          </a:p>
-          <a:p>
-            <a:endParaRPr lang="en-US" dirty="0"/>
-          </a:p>
-          <a:p>
-            <a:r>
-              <a:rPr lang="en-US" dirty="0" smtClean="0"/>
-              <a:t>{</a:t>
-            </a:r>
-          </a:p>
-          <a:p>
+              <a:rPr lang="en-US" dirty="0" smtClean="0"/>
+              <a:t>Folder structure</a:t>
+            </a:r>
+            <a:endParaRPr lang="en-IN" dirty="0" smtClean="0"/>
+          </a:p>
+          <a:p>
+            <a:pPr marL="0" indent="0">
+              <a:buNone/>
+            </a:pPr>
+            <a:r>
+              <a:rPr lang="en-US" dirty="0" smtClean="0"/>
+              <a:t>|___ </a:t>
+            </a:r>
+            <a:r>
+              <a:rPr lang="en-US" dirty="0" err="1" smtClean="0"/>
+              <a:t>composer.json</a:t>
+            </a:r>
+            <a:endParaRPr lang="en-US" dirty="0" smtClean="0"/>
+          </a:p>
+          <a:p>
+            <a:pPr marL="0" indent="0">
+              <a:buNone/>
+            </a:pPr>
+            <a:r>
+              <a:rPr lang="en-US" dirty="0" smtClean="0"/>
+              <a:t>|___ </a:t>
+            </a:r>
+            <a:r>
+              <a:rPr lang="en-US" dirty="0" err="1" smtClean="0"/>
+              <a:t>composer.lock</a:t>
+            </a:r>
+            <a:endParaRPr lang="en-US" dirty="0" smtClean="0"/>
+          </a:p>
+          <a:p>
+            <a:pPr marL="0" indent="0">
+              <a:buNone/>
+            </a:pPr>
+            <a:r>
+              <a:rPr lang="en-US" dirty="0" smtClean="0"/>
+              <a:t>|___ vendor</a:t>
+            </a:r>
+          </a:p>
+          <a:p>
+            <a:pPr marL="0" indent="0">
+              <a:buNone/>
+            </a:pPr>
             <a:r>
               <a:rPr lang="en-US" dirty="0"/>
-              <a:t>	</a:t>
-            </a:r>
-            <a:r>
-              <a:rPr lang="en-US" dirty="0" smtClean="0"/>
-              <a:t>“</a:t>
+              <a:t> </a:t>
+            </a:r>
+            <a:r>
+              <a:rPr lang="en-US" dirty="0" smtClean="0"/>
+              <a:t>       |___ …. </a:t>
+            </a:r>
+          </a:p>
+          <a:p>
+            <a:pPr marL="0" indent="0">
+              <a:buNone/>
+            </a:pPr>
+            <a:endParaRPr lang="en-US" dirty="0" smtClean="0"/>
+          </a:p>
+          <a:p>
+            <a:pPr>
+              <a:buFont typeface="Arial" panose="020B0604020202020204" pitchFamily="34" charset="0"/>
+              <a:buChar char="•"/>
+            </a:pPr>
+            <a:r>
+              <a:rPr lang="en-US" dirty="0" err="1" smtClean="0"/>
+              <a:t>Composer.json</a:t>
+            </a:r>
+            <a:endParaRPr lang="en-US" dirty="0" smtClean="0"/>
+          </a:p>
+          <a:p>
+            <a:pPr marL="0" indent="0">
+              <a:buNone/>
+            </a:pPr>
+            <a:r>
+              <a:rPr lang="en-US" dirty="0" smtClean="0"/>
+              <a:t>   {</a:t>
+            </a:r>
+          </a:p>
+          <a:p>
+            <a:pPr marL="0" indent="0">
+              <a:buNone/>
+            </a:pPr>
+            <a:r>
+              <a:rPr lang="en-US" dirty="0" smtClean="0"/>
+              <a:t>	“</a:t>
             </a:r>
             <a:r>
               <a:rPr lang="en-US" dirty="0" err="1" smtClean="0"/>
@@ -4205,31 +4286,47 @@
             </a:r>
             <a:r>
               <a:rPr lang="en-US" dirty="0" smtClean="0"/>
-              <a:t>” : “</a:t>
+              <a:t>”: </a:t>
             </a:r>
             <a:r>
               <a:rPr lang="en-US" dirty="0" err="1" smtClean="0"/>
-              <a:t>Silex</a:t>
-            </a:r>
-            <a:r>
-              <a:rPr lang="en-US" dirty="0" smtClean="0"/>
-              <a:t> ~2.0”,</a:t>
+              <a:t>silex</a:t>
+            </a:r>
+            <a:r>
+              <a:rPr lang="en-US" dirty="0" smtClean="0"/>
+              <a:t> ~2.0</a:t>
             </a:r>
             <a:endParaRPr lang="en-US" dirty="0"/>
           </a:p>
           <a:p>
-            <a:r>
-              <a:rPr lang="en-US" dirty="0" smtClean="0"/>
-              <a:t>}</a:t>
-            </a:r>
+            <a:pPr marL="0" indent="0">
+              <a:buNone/>
+            </a:pPr>
+            <a:r>
+              <a:rPr lang="en-US" dirty="0" smtClean="0"/>
+              <a:t>   }</a:t>
+            </a:r>
+            <a:endParaRPr lang="en-US" dirty="0"/>
+          </a:p>
+          <a:p>
+            <a:pPr>
+              <a:buFont typeface="Arial" panose="020B0604020202020204" pitchFamily="34" charset="0"/>
+              <a:buChar char="•"/>
+            </a:pPr>
             <a:endParaRPr lang="en-IN" dirty="0"/>
+          </a:p>
+          <a:p>
+            <a:pPr marL="0" indent="0">
+              <a:buNone/>
+            </a:pPr>
+            <a:endParaRPr lang="en-US" dirty="0" smtClean="0"/>
           </a:p>
         </p:txBody>
       </p:sp>
     </p:spTree>
     <p:extLst>
       <p:ext uri="{BB962C8B-B14F-4D97-AF65-F5344CB8AC3E}">
-        <p14:creationId xmlns:p14="http://schemas.microsoft.com/office/powerpoint/2010/main" val="643865031"/>
+        <p14:creationId xmlns:p14="http://schemas.microsoft.com/office/powerpoint/2010/main" val="1823361783"/>
       </p:ext>
     </p:extLst>
   </p:cSld>
@@ -4296,7 +4393,9 @@
           </a:xfrm>
         </p:spPr>
         <p:txBody>
-          <a:bodyPr/>
+          <a:bodyPr>
+            <a:normAutofit fontScale="92500" lnSpcReduction="20000"/>
+          </a:bodyPr>
           <a:lstStyle/>
           <a:p>
             <a:pPr marL="0" indent="0">
@@ -4304,7 +4403,11 @@
             </a:pPr>
             <a:r>
               <a:rPr lang="en-US" dirty="0" smtClean="0"/>
-              <a:t>Create .</a:t>
+              <a:t>Create </a:t>
+            </a:r>
+            <a:r>
+              <a:rPr lang="en-US" dirty="0" smtClean="0"/>
+              <a:t>.</a:t>
             </a:r>
             <a:r>
               <a:rPr lang="en-US" dirty="0" err="1" smtClean="0"/>
@@ -4312,67 +4415,111 @@
             </a:r>
             <a:r>
               <a:rPr lang="en-US" dirty="0" smtClean="0"/>
-              <a:t> with following rewrite rule and place it in web folder.</a:t>
-            </a:r>
-            <a:endParaRPr lang="en-IN" dirty="0" smtClean="0"/>
+              <a:t> with following rewrite rule and place it in </a:t>
+            </a:r>
+            <a:r>
+              <a:rPr lang="en-US" dirty="0" smtClean="0"/>
+              <a:t>project root</a:t>
+            </a:r>
+            <a:r>
+              <a:rPr lang="en-US" dirty="0" smtClean="0"/>
+              <a:t> </a:t>
+            </a:r>
+            <a:r>
+              <a:rPr lang="en-US" dirty="0" smtClean="0"/>
+              <a:t>folder</a:t>
+            </a:r>
+            <a:r>
+              <a:rPr lang="en-US" dirty="0" smtClean="0"/>
+              <a:t>.</a:t>
+            </a:r>
           </a:p>
           <a:p>
             <a:pPr marL="0" indent="0">
               <a:buNone/>
             </a:pPr>
-            <a:r>
-              <a:rPr lang="en-IN" dirty="0" smtClean="0"/>
-              <a:t>&lt;</a:t>
-            </a:r>
-            <a:r>
-              <a:rPr lang="en-IN" dirty="0" err="1"/>
-              <a:t>IfModule</a:t>
-            </a:r>
-            <a:r>
-              <a:rPr lang="en-IN" dirty="0"/>
-              <a:t> </a:t>
-            </a:r>
-            <a:r>
-              <a:rPr lang="en-IN" dirty="0" err="1"/>
-              <a:t>mod_rewrite.c</a:t>
-            </a:r>
-            <a:r>
-              <a:rPr lang="en-IN" dirty="0"/>
-              <a:t>&gt;</a:t>
-            </a:r>
+            <a:endParaRPr lang="en-US" dirty="0"/>
           </a:p>
           <a:p>
             <a:pPr marL="0" indent="0">
               <a:buNone/>
             </a:pPr>
             <a:r>
-              <a:rPr lang="en-IN" dirty="0"/>
-              <a:t>Options -</a:t>
-            </a:r>
-            <a:r>
-              <a:rPr lang="en-IN" dirty="0" err="1"/>
-              <a:t>MultiViews</a:t>
-            </a:r>
-            <a:endParaRPr lang="en-IN" dirty="0"/>
+              <a:rPr lang="en-US" dirty="0"/>
+              <a:t>Note : Make sure apache </a:t>
+            </a:r>
+            <a:r>
+              <a:rPr lang="en-US" dirty="0" err="1"/>
+              <a:t>mod_rewrite</a:t>
+            </a:r>
+            <a:r>
+              <a:rPr lang="en-US" dirty="0"/>
+              <a:t> is enabled.</a:t>
+            </a:r>
           </a:p>
           <a:p>
             <a:pPr marL="0" indent="0">
               <a:buNone/>
             </a:pPr>
-            <a:r>
-              <a:rPr lang="en-IN" dirty="0" err="1"/>
-              <a:t>RewriteEngine</a:t>
-            </a:r>
-            <a:r>
-              <a:rPr lang="en-IN" dirty="0"/>
-              <a:t> On</a:t>
-            </a:r>
+            <a:endParaRPr lang="en-IN" dirty="0" smtClean="0"/>
           </a:p>
           <a:p>
             <a:pPr marL="0" indent="0">
               <a:buNone/>
             </a:pPr>
             <a:r>
+              <a:rPr lang="en-IN" dirty="0" smtClean="0"/>
+              <a:t>&lt;</a:t>
+            </a:r>
+            <a:r>
+              <a:rPr lang="en-IN" dirty="0" err="1"/>
+              <a:t>IfModule</a:t>
+            </a:r>
+            <a:r>
+              <a:rPr lang="en-IN" dirty="0"/>
+              <a:t> </a:t>
+            </a:r>
+            <a:r>
+              <a:rPr lang="en-IN" dirty="0" err="1"/>
+              <a:t>mod_rewrite.c</a:t>
+            </a:r>
+            <a:r>
+              <a:rPr lang="en-IN" dirty="0"/>
+              <a:t>&gt;</a:t>
+            </a:r>
+          </a:p>
+          <a:p>
+            <a:pPr marL="0" indent="0">
+              <a:buNone/>
+            </a:pPr>
+            <a:r>
+              <a:rPr lang="en-IN" dirty="0"/>
+              <a:t>Options -</a:t>
+            </a:r>
+            <a:r>
+              <a:rPr lang="en-IN" dirty="0" err="1"/>
+              <a:t>MultiViews</a:t>
+            </a:r>
+            <a:endParaRPr lang="en-IN" dirty="0"/>
+          </a:p>
+          <a:p>
+            <a:pPr marL="0" indent="0">
+              <a:buNone/>
+            </a:pPr>
+            <a:r>
+              <a:rPr lang="en-IN" dirty="0" err="1"/>
+              <a:t>RewriteEngine</a:t>
+            </a:r>
+            <a:r>
+              <a:rPr lang="en-IN" dirty="0"/>
+              <a:t> On</a:t>
+            </a:r>
+          </a:p>
+          <a:p>
+            <a:pPr marL="0" indent="0">
+              <a:buNone/>
+            </a:pPr>
+            <a:r>
               <a:rPr lang="en-IN" dirty="0"/>
               <a:t>#</a:t>
             </a:r>
@@ -4382,11 +4529,7 @@
             </a:r>
             <a:r>
               <a:rPr lang="en-IN" dirty="0"/>
-              <a:t> </a:t>
-            </a:r>
-            <a:r>
-              <a:rPr lang="en-IN" dirty="0"/>
-              <a:t>/</a:t>
+              <a:t> /</a:t>
             </a:r>
             <a:r>
               <a:rPr lang="en-IN" dirty="0">
@@ -4444,9 +4587,15 @@
               <a:t>IfModule</a:t>
             </a:r>
             <a:r>
-              <a:rPr lang="en-IN" dirty="0"/>
+              <a:rPr lang="en-IN" dirty="0" smtClean="0"/>
               <a:t>&gt;</a:t>
             </a:r>
+          </a:p>
+          <a:p>
+            <a:pPr marL="0" indent="0">
+              <a:buNone/>
+            </a:pPr>
+            <a:endParaRPr lang="en-IN" dirty="0"/>
           </a:p>
         </p:txBody>
       </p:sp>
@@ -5193,6 +5342,13 @@
           <a:p>
             <a:r>
               <a:rPr lang="en-US" sz="2000" dirty="0" smtClean="0"/>
+              <a:t>It can be used as a single page application where we can write our controllers,views,routing all in one page.</a:t>
+            </a:r>
+            <a:endParaRPr lang="en-US" sz="2000" dirty="0" smtClean="0"/>
+          </a:p>
+          <a:p>
+            <a:r>
+              <a:rPr lang="en-US" sz="2000" dirty="0" smtClean="0"/>
               <a:t>Micro </a:t>
             </a:r>
             <a:r>
@@ -5203,33 +5359,37 @@
               <a:rPr lang="en-US" sz="2000" dirty="0" smtClean="0"/>
               <a:t>code.</a:t>
             </a:r>
-            <a:endParaRPr lang="en-US" sz="2000" dirty="0" smtClean="0"/>
           </a:p>
           <a:p>
             <a:r>
               <a:rPr lang="en-US" sz="2000" dirty="0" smtClean="0"/>
-              <a:t>Micro-frameworks simply </a:t>
+              <a:t>Micro-frameworks </a:t>
             </a:r>
             <a:r>
               <a:rPr lang="en-US" sz="2000" dirty="0" smtClean="0"/>
-              <a:t>means that the framework does not have all of the components you’ll find in a full-stack environment.</a:t>
-            </a:r>
-          </a:p>
-          <a:p>
+              <a:t>means exactly doesn't mean that its small, it actually means that </a:t>
+            </a:r>
             <a:r>
               <a:rPr lang="en-US" sz="2000" dirty="0" smtClean="0"/>
-              <a:t>Easier to implement and provide faster testing and deployment</a:t>
-            </a:r>
+              <a:t>the framework does not have all of the components you’ll find in a full-stack environment.</a:t>
+            </a:r>
+          </a:p>
+          <a:p>
             <a:r>
               <a:rPr lang="en-US" sz="2000" dirty="0" smtClean="0"/>
-              <a:t>.</a:t>
+              <a:t>Easier to implement and provide faster testing and deployment.</a:t>
             </a:r>
           </a:p>
           <a:p>
             <a:r>
               <a:rPr lang="en-US" sz="2000" dirty="0"/>
-              <a:t>If lines of code is less than 5000 or 5K, then it’s a MF.</a:t>
-            </a:r>
+              <a:t>If lines of code is less than 5000 or 5K, then it’s a </a:t>
+            </a:r>
+            <a:r>
+              <a:rPr lang="en-US" sz="2000" dirty="0" smtClean="0"/>
+              <a:t>micro-framework. Still we can extend them to MVC architecture.</a:t>
+            </a:r>
+            <a:endParaRPr lang="en-US" sz="2000" dirty="0"/>
           </a:p>
           <a:p>
             <a:endParaRPr lang="en-US" sz="2000" dirty="0" smtClean="0"/>
@@ -5244,6 +5404,13 @@
   <p:clrMapOvr>
     <a:masterClrMapping/>
   </p:clrMapOvr>
+  <p:timing>
+    <p:tnLst>
+      <p:par>
+        <p:cTn id="1" dur="indefinite" restart="never" nodeType="tmRoot"/>
+      </p:par>
+    </p:tnLst>
+  </p:timing>
 </p:sld>
 </file>
 
@@ -5427,14 +5594,25 @@
         <p:spPr/>
         <p:txBody>
           <a:bodyPr>
-            <a:normAutofit lnSpcReduction="10000"/>
+            <a:normAutofit fontScale="92500"/>
           </a:bodyPr>
           <a:lstStyle/>
           <a:p>
             <a:r>
               <a:rPr lang="en-US" dirty="0" smtClean="0"/>
-              <a:t>Suggested for small scale projects and need specific features quickly.</a:t>
-            </a:r>
+              <a:t>Suggested for small scale projects and need specific features quickly</a:t>
+            </a:r>
+            <a:r>
+              <a:rPr lang="en-US" dirty="0" smtClean="0"/>
+              <a:t>.</a:t>
+            </a:r>
+          </a:p>
+          <a:p>
+            <a:r>
+              <a:rPr lang="en-US" dirty="0" smtClean="0"/>
+              <a:t>Installation is very easy.</a:t>
+            </a:r>
+            <a:endParaRPr lang="en-US" dirty="0" smtClean="0"/>
           </a:p>
           <a:p>
             <a:r>
@@ -5472,23 +5650,30 @@
         <p:spPr/>
         <p:txBody>
           <a:bodyPr>
-            <a:normAutofit/>
+            <a:normAutofit fontScale="92500" lnSpcReduction="10000"/>
           </a:bodyPr>
           <a:lstStyle/>
           <a:p>
             <a:r>
               <a:rPr lang="en-US" dirty="0" smtClean="0"/>
-              <a:t>Can be used for medium to large projects.</a:t>
-            </a:r>
-          </a:p>
-          <a:p>
-            <a:r>
-              <a:rPr lang="en-US" dirty="0" smtClean="0"/>
-              <a:t>full-stack framework </a:t>
-            </a:r>
-            <a:r>
-              <a:rPr lang="en-US" dirty="0" smtClean="0"/>
-              <a:t>conventions,libraries,configs </a:t>
+              <a:t>Can be used for medium to large projects</a:t>
+            </a:r>
+            <a:r>
+              <a:rPr lang="en-US" dirty="0" smtClean="0"/>
+              <a:t>.</a:t>
+            </a:r>
+          </a:p>
+          <a:p>
+            <a:r>
+              <a:rPr lang="en-US" dirty="0" smtClean="0"/>
+              <a:t>Installation is cumbersome and need to install lot of dependency tools.</a:t>
+            </a:r>
+            <a:endParaRPr lang="en-US" dirty="0" smtClean="0"/>
+          </a:p>
+          <a:p>
+            <a:r>
+              <a:rPr lang="en-US" dirty="0" smtClean="0"/>
+              <a:t>full-stack framework conventions,libraries,configs </a:t>
             </a:r>
             <a:r>
               <a:rPr lang="en-US" dirty="0" err="1" smtClean="0"/>
@@ -5496,12 +5681,13 @@
             </a:r>
             <a:r>
               <a:rPr lang="en-US" dirty="0" smtClean="0"/>
-              <a:t> but </a:t>
-            </a:r>
-            <a:r>
-              <a:rPr lang="en-US" dirty="0" smtClean="0"/>
-              <a:t>it can be complex, cumbersome and slow.</a:t>
-            </a:r>
+              <a:t> but it can be complex, </a:t>
+            </a:r>
+            <a:r>
+              <a:rPr lang="en-US" dirty="0" smtClean="0"/>
+              <a:t>cumbersome.</a:t>
+            </a:r>
+            <a:endParaRPr lang="en-US" dirty="0" smtClean="0"/>
           </a:p>
           <a:p>
             <a:r>
@@ -5519,6 +5705,13 @@
   <p:clrMapOvr>
     <a:masterClrMapping/>
   </p:clrMapOvr>
+  <p:timing>
+    <p:tnLst>
+      <p:par>
+        <p:cTn id="1" dur="indefinite" restart="never" nodeType="tmRoot"/>
+      </p:par>
+    </p:tnLst>
+  </p:timing>
 </p:sld>
 </file>
 
@@ -5581,22 +5774,13 @@
           <a:p>
             <a:r>
               <a:rPr lang="en-US" dirty="0" smtClean="0"/>
-              <a:t>Useful for small scale projects</a:t>
-            </a:r>
-            <a:r>
-              <a:rPr lang="en-US" dirty="0" smtClean="0"/>
-              <a:t>.</a:t>
-            </a:r>
-            <a:endParaRPr lang="en-US" dirty="0" smtClean="0"/>
-          </a:p>
-          <a:p>
-            <a:r>
-              <a:rPr lang="en-US" dirty="0" smtClean="0"/>
-              <a:t>As  its light and simpler , it is easier to focus on a specific challenge without worrying about which libraries you need</a:t>
-            </a:r>
-            <a:r>
-              <a:rPr lang="en-US" dirty="0" smtClean="0"/>
-              <a:t>.</a:t>
+              <a:t>Useful for small scale projects.</a:t>
+            </a:r>
+          </a:p>
+          <a:p>
+            <a:r>
+              <a:rPr lang="en-US" dirty="0" smtClean="0"/>
+              <a:t>As  its light and simpler , it is easier to focus on a specific challenge without worrying about which libraries you need.</a:t>
             </a:r>
           </a:p>
           <a:p>
@@ -5643,6 +5827,13 @@
   <p:clrMapOvr>
     <a:masterClrMapping/>
   </p:clrMapOvr>
+  <p:timing>
+    <p:tnLst>
+      <p:par>
+        <p:cTn id="1" dur="indefinite" restart="never" nodeType="tmRoot"/>
+      </p:par>
+    </p:tnLst>
+  </p:timing>
 </p:sld>
 </file>
 
@@ -5703,19 +5894,15 @@
           <a:p>
             <a:r>
               <a:rPr lang="en-US" dirty="0" smtClean="0"/>
-              <a:t>Micro framework will </a:t>
-            </a:r>
-            <a:r>
-              <a:rPr lang="en-US" dirty="0" smtClean="0"/>
-              <a:t>not </a:t>
-            </a:r>
-            <a:r>
-              <a:rPr lang="en-US" dirty="0" smtClean="0"/>
-              <a:t>will not have conventions, libraries hence user </a:t>
-            </a:r>
-            <a:r>
-              <a:rPr lang="en-US" dirty="0" smtClean="0"/>
-              <a:t>will end up in writing many things as and when required.</a:t>
+              <a:t>Micro framework will not </a:t>
+            </a:r>
+            <a:r>
+              <a:rPr lang="en-US" dirty="0" smtClean="0"/>
+              <a:t>have </a:t>
+            </a:r>
+            <a:r>
+              <a:rPr lang="en-US" dirty="0" smtClean="0"/>
+              <a:t>conventions, libraries hence user will end up in writing many things as and when required.</a:t>
             </a:r>
           </a:p>
           <a:p>
@@ -5732,6 +5919,13 @@
   <p:clrMapOvr>
     <a:masterClrMapping/>
   </p:clrMapOvr>
+  <p:timing>
+    <p:tnLst>
+      <p:par>
+        <p:cTn id="1" dur="indefinite" restart="never" nodeType="tmRoot"/>
+      </p:par>
+    </p:tnLst>
+  </p:timing>
 </p:sld>
 </file>
 
@@ -5792,7 +5986,7 @@
         <p:spPr/>
         <p:txBody>
           <a:bodyPr>
-            <a:normAutofit/>
+            <a:normAutofit fontScale="92500" lnSpcReduction="20000"/>
           </a:bodyPr>
           <a:lstStyle/>
           <a:p>
@@ -5832,43 +6026,19 @@
             </a:r>
             <a:r>
               <a:rPr lang="en-US" dirty="0" smtClean="0"/>
-              <a:t> is created based on </a:t>
-            </a:r>
-            <a:r>
-              <a:rPr lang="en-US" dirty="0" smtClean="0"/>
-              <a:t>the </a:t>
-            </a:r>
-            <a:r>
-              <a:rPr lang="en-US" dirty="0" err="1" smtClean="0"/>
-              <a:t>symfony</a:t>
-            </a:r>
-            <a:r>
-              <a:rPr lang="en-US" dirty="0" smtClean="0"/>
-              <a:t>, pimple and inspired by Sinatra(Ruby micro framework).</a:t>
-            </a:r>
-          </a:p>
-          <a:p>
+              <a:t> is created based on the </a:t>
+            </a:r>
             <a:r>
               <a:rPr lang="en-US" dirty="0" err="1" smtClean="0"/>
               <a:t>Symfony</a:t>
             </a:r>
             <a:r>
               <a:rPr lang="en-US" dirty="0" smtClean="0"/>
-              <a:t> supports request,response,routing</a:t>
-            </a:r>
-          </a:p>
-          <a:p>
-            <a:r>
-              <a:rPr lang="en-US" dirty="0" smtClean="0"/>
-              <a:t>Pimple is a Dependency Injection container used in </a:t>
-            </a:r>
-            <a:r>
-              <a:rPr lang="en-US" dirty="0" err="1" smtClean="0"/>
-              <a:t>silex</a:t>
-            </a:r>
-            <a:r>
-              <a:rPr lang="en-US" dirty="0" smtClean="0"/>
-              <a:t> for services.</a:t>
+              <a:t>, Pimple </a:t>
+            </a:r>
+            <a:r>
+              <a:rPr lang="en-US" dirty="0" smtClean="0"/>
+              <a:t>and inspired by Sinatra(Ruby micro framework).</a:t>
             </a:r>
           </a:p>
           <a:p>
@@ -5878,6 +6048,94 @@
             </a:r>
             <a:r>
               <a:rPr lang="en-US" dirty="0" smtClean="0"/>
+              <a:t> uses concise </a:t>
+            </a:r>
+            <a:r>
+              <a:rPr lang="en-US" dirty="0"/>
+              <a:t>API.</a:t>
+            </a:r>
+          </a:p>
+          <a:p>
+            <a:r>
+              <a:rPr lang="en-US" dirty="0" err="1" smtClean="0"/>
+              <a:t>Silex</a:t>
+            </a:r>
+            <a:r>
+              <a:rPr lang="en-US" dirty="0" smtClean="0"/>
+              <a:t> </a:t>
+            </a:r>
+            <a:r>
+              <a:rPr lang="en-US" dirty="0"/>
+              <a:t>has an extension system based around the Pimple service-container that makes it easy to </a:t>
+            </a:r>
+            <a:r>
+              <a:rPr lang="en-US" dirty="0" smtClean="0"/>
+              <a:t>connect to </a:t>
+            </a:r>
+            <a:r>
+              <a:rPr lang="en-US" dirty="0"/>
+              <a:t>third party libraries.</a:t>
+            </a:r>
+          </a:p>
+          <a:p>
+            <a:r>
+              <a:rPr lang="en-US" dirty="0" err="1" smtClean="0"/>
+              <a:t>Silex</a:t>
+            </a:r>
+            <a:r>
+              <a:rPr lang="en-US" dirty="0" smtClean="0"/>
+              <a:t> </a:t>
+            </a:r>
+            <a:r>
+              <a:rPr lang="en-US" dirty="0"/>
+              <a:t>uses </a:t>
+            </a:r>
+            <a:r>
+              <a:rPr lang="en-US" dirty="0" err="1"/>
+              <a:t>Symfony's</a:t>
+            </a:r>
+            <a:r>
+              <a:rPr lang="en-US" dirty="0"/>
+              <a:t> </a:t>
+            </a:r>
+            <a:r>
+              <a:rPr lang="en-US" dirty="0" err="1"/>
+              <a:t>HttpKernel</a:t>
+            </a:r>
+            <a:r>
+              <a:rPr lang="en-US" dirty="0"/>
+              <a:t> which </a:t>
+            </a:r>
+            <a:r>
+              <a:rPr lang="en-US" dirty="0" smtClean="0"/>
+              <a:t>abstracts the </a:t>
+            </a:r>
+            <a:r>
+              <a:rPr lang="en-US" dirty="0"/>
+              <a:t>request and response. </a:t>
+            </a:r>
+            <a:r>
+              <a:rPr lang="en-US" dirty="0" smtClean="0"/>
+              <a:t> </a:t>
+            </a:r>
+          </a:p>
+          <a:p>
+            <a:r>
+              <a:rPr lang="en-US" dirty="0" err="1" smtClean="0"/>
+              <a:t>Silex</a:t>
+            </a:r>
+            <a:r>
+              <a:rPr lang="en-US" dirty="0" smtClean="0"/>
+              <a:t> uses HTTP methods specification and encourages its proper use.</a:t>
+            </a:r>
+          </a:p>
+          <a:p>
+            <a:r>
+              <a:rPr lang="en-US" dirty="0" err="1" smtClean="0"/>
+              <a:t>Silex</a:t>
+            </a:r>
+            <a:r>
+              <a:rPr lang="en-US" dirty="0" smtClean="0"/>
               <a:t> </a:t>
             </a:r>
             <a:r>
@@ -5886,23 +6144,7 @@
             </a:r>
             <a:r>
               <a:rPr lang="en-US" dirty="0" smtClean="0"/>
-              <a:t> </a:t>
-            </a:r>
-            <a:r>
-              <a:rPr lang="en-US" dirty="0" smtClean="0"/>
-              <a:t>2.0 </a:t>
-            </a:r>
-            <a:r>
-              <a:rPr lang="en-US" dirty="0" smtClean="0"/>
-              <a:t>requires  PHP </a:t>
-            </a:r>
-            <a:r>
-              <a:rPr lang="en-US" dirty="0" smtClean="0"/>
-              <a:t>5.5.9 or later </a:t>
-            </a:r>
-            <a:r>
-              <a:rPr lang="en-US" dirty="0" smtClean="0"/>
-              <a:t>version.</a:t>
+              <a:t> 2.0 requires  PHP 5.5.9 or later version.</a:t>
             </a:r>
           </a:p>
           <a:p>
@@ -5915,6 +6157,13 @@
   <p:clrMapOvr>
     <a:masterClrMapping/>
   </p:clrMapOvr>
+  <p:timing>
+    <p:tnLst>
+      <p:par>
+        <p:cTn id="1" dur="indefinite" restart="never" nodeType="tmRoot"/>
+      </p:par>
+    </p:tnLst>
+  </p:timing>
 </p:sld>
 </file>
 
@@ -6068,19 +6317,7 @@
             </a:pPr>
             <a:r>
               <a:rPr lang="en-US" dirty="0" smtClean="0"/>
-              <a:t>Note : </a:t>
-            </a:r>
-            <a:r>
-              <a:rPr lang="en-US" dirty="0" smtClean="0"/>
-              <a:t>PHP</a:t>
-            </a:r>
-            <a:r>
-              <a:rPr lang="en-US" dirty="0" smtClean="0"/>
-              <a:t> V 5.5.9 or later </a:t>
-            </a:r>
-            <a:r>
-              <a:rPr lang="en-US" dirty="0" smtClean="0"/>
-              <a:t>is supported.</a:t>
+              <a:t>Note : PHP V 5.5.9 or later is supported.</a:t>
             </a:r>
           </a:p>
           <a:p>
@@ -6102,6 +6339,13 @@
   <p:clrMapOvr>
     <a:masterClrMapping/>
   </p:clrMapOvr>
+  <p:timing>
+    <p:tnLst>
+      <p:par>
+        <p:cTn id="1" dur="indefinite" restart="never" nodeType="tmRoot"/>
+      </p:par>
+    </p:tnLst>
+  </p:timing>
 </p:sld>
 </file>
 
@@ -6162,40 +6406,58 @@
           <a:p>
             <a:r>
               <a:rPr lang="en-US" dirty="0" smtClean="0"/>
-              <a:t>Composer is a dependency management tool.</a:t>
-            </a:r>
-          </a:p>
-          <a:p>
-            <a:r>
-              <a:rPr lang="en-US" dirty="0" smtClean="0"/>
-              <a:t>It downloads, installs and loads dependencies you specify  in a composer.json.</a:t>
-            </a:r>
-          </a:p>
-          <a:p>
-            <a:r>
-              <a:rPr lang="en-US" dirty="0" smtClean="0"/>
-              <a:t>A dependency is any code that your application requires in order to function </a:t>
+              <a:t>Composer is a dependency management tool</a:t>
+            </a:r>
+            <a:r>
+              <a:rPr lang="en-US" dirty="0" smtClean="0"/>
+              <a:t>.</a:t>
+            </a:r>
+            <a:r>
+              <a:rPr lang="en-US" dirty="0"/>
+              <a:t> It allows you to declare the libraries your project depends on and it will manage (install/update) them for you.</a:t>
             </a:r>
             <a:endParaRPr lang="en-US" dirty="0" smtClean="0"/>
           </a:p>
           <a:p>
             <a:r>
+              <a:rPr lang="en-US" dirty="0"/>
+              <a:t>A dependency is any code that your application requires in order to function. </a:t>
+            </a:r>
+          </a:p>
+          <a:p>
+            <a:r>
+              <a:rPr lang="en-US" dirty="0" smtClean="0"/>
+              <a:t>It </a:t>
+            </a:r>
+            <a:r>
+              <a:rPr lang="en-US" dirty="0" smtClean="0"/>
+              <a:t>downloads, installs and loads dependencies you specify  in a </a:t>
+            </a:r>
+            <a:r>
+              <a:rPr lang="en-US" dirty="0" err="1" smtClean="0"/>
+              <a:t>composer.json</a:t>
+            </a:r>
+            <a:r>
+              <a:rPr lang="en-US" dirty="0" smtClean="0"/>
+              <a:t>.</a:t>
+            </a:r>
+          </a:p>
+          <a:p>
+            <a:r>
+              <a:rPr lang="en-US" dirty="0" smtClean="0"/>
+              <a:t>It allows to remove the dependencies as well.</a:t>
+            </a:r>
+            <a:endParaRPr lang="en-US" dirty="0" smtClean="0"/>
+          </a:p>
+          <a:p>
+            <a:r>
               <a:rPr lang="en-US" dirty="0" smtClean="0"/>
               <a:t>Ex </a:t>
             </a:r>
             <a:r>
               <a:rPr lang="en-US" dirty="0" smtClean="0"/>
-              <a:t>: </a:t>
-            </a:r>
-            <a:r>
-              <a:rPr lang="en-US" dirty="0" smtClean="0"/>
-              <a:t>Monolog,Doctrine</a:t>
-            </a:r>
-            <a:r>
-              <a:rPr lang="en-US" dirty="0" smtClean="0"/>
-              <a:t>,Pimple,Twig template</a:t>
-            </a:r>
-            <a:endParaRPr lang="en-US" dirty="0" smtClean="0"/>
+              <a:t>: Monolog,Doctrine,Pimple,Twig template</a:t>
+            </a:r>
           </a:p>
           <a:p>
             <a:endParaRPr lang="en-US" dirty="0"/>
@@ -6207,6 +6469,13 @@
   <p:clrMapOvr>
     <a:masterClrMapping/>
   </p:clrMapOvr>
+  <p:timing>
+    <p:tnLst>
+      <p:par>
+        <p:cTn id="1" dur="indefinite" restart="never" nodeType="tmRoot"/>
+      </p:par>
+    </p:tnLst>
+  </p:timing>
 </p:sld>
 </file>
 
@@ -6268,7 +6537,7 @@
         <p:spPr/>
         <p:txBody>
           <a:bodyPr>
-            <a:normAutofit lnSpcReduction="10000"/>
+            <a:normAutofit fontScale="92500" lnSpcReduction="10000"/>
           </a:bodyPr>
           <a:lstStyle/>
           <a:p>
@@ -6276,179 +6545,219 @@
               <a:rPr lang="en-US" sz="2000" dirty="0" smtClean="0"/>
               <a:t>Download the installer to the current directory   </a:t>
             </a:r>
+            <a:endParaRPr lang="en-US" sz="2000" dirty="0">
+              <a:sym typeface="Wingdings" pitchFamily="2" charset="2"/>
+            </a:endParaRPr>
+          </a:p>
+          <a:p>
+            <a:pPr lvl="1"/>
+            <a:r>
+              <a:rPr lang="en-US" sz="1800" dirty="0" smtClean="0"/>
+              <a:t>  </a:t>
+            </a:r>
+            <a:r>
+              <a:rPr lang="pt-BR" sz="1800" dirty="0" smtClean="0"/>
+              <a:t>php -r "copy('https://getcomposer.org/installer', 'composer-setup.php');“ </a:t>
+            </a:r>
+          </a:p>
+          <a:p>
+            <a:r>
+              <a:rPr lang="en-US" sz="2000" dirty="0" smtClean="0"/>
+              <a:t>Verify the installer  though hash key SHA-384  </a:t>
+            </a:r>
+            <a:endParaRPr lang="en-US" sz="2000" dirty="0">
+              <a:sym typeface="Wingdings" pitchFamily="2" charset="2"/>
+            </a:endParaRPr>
+          </a:p>
+          <a:p>
+            <a:pPr lvl="1"/>
+            <a:r>
+              <a:rPr lang="en-US" sz="1800" dirty="0" smtClean="0"/>
+              <a:t>  </a:t>
+            </a:r>
+            <a:r>
+              <a:rPr lang="en-US" sz="1800" dirty="0" err="1" smtClean="0"/>
+              <a:t>php</a:t>
+            </a:r>
+            <a:r>
+              <a:rPr lang="en-US" sz="1800" dirty="0" smtClean="0"/>
+              <a:t> -r "if (</a:t>
+            </a:r>
+            <a:r>
+              <a:rPr lang="en-US" sz="1800" dirty="0" err="1" smtClean="0"/>
+              <a:t>hash_file</a:t>
+            </a:r>
+            <a:r>
+              <a:rPr lang="en-US" sz="1800" dirty="0" smtClean="0"/>
+              <a:t>('SHA384', 'composer-setup.php') === 'e115a8dc7871f15d853148a7fbac7da27d6c0030b848d9b3dc09e2a0388afed865e6a3d6b3c0fad45c48e2b5fc1196ae') { echo 'Installer verified'; } else { echo 'Installer corrupt'; unlink('composer-setup.php'); } echo PHP_EOL;“</a:t>
+            </a:r>
+          </a:p>
+          <a:p>
+            <a:r>
+              <a:rPr lang="en-US" sz="2000" dirty="0" smtClean="0"/>
+              <a:t>Run the installer  </a:t>
+            </a:r>
+            <a:endParaRPr lang="en-US" sz="2000" dirty="0">
+              <a:sym typeface="Wingdings" pitchFamily="2" charset="2"/>
+            </a:endParaRPr>
+          </a:p>
+          <a:p>
+            <a:pPr lvl="1"/>
+            <a:r>
+              <a:rPr lang="en-US" sz="1800" dirty="0" smtClean="0"/>
+              <a:t> </a:t>
+            </a:r>
+            <a:r>
+              <a:rPr lang="en-US" sz="1800" dirty="0" err="1" smtClean="0"/>
+              <a:t>php</a:t>
+            </a:r>
+            <a:r>
+              <a:rPr lang="en-US" sz="1800" dirty="0" smtClean="0"/>
+              <a:t> composer-</a:t>
+            </a:r>
+            <a:r>
+              <a:rPr lang="en-US" sz="1800" dirty="0" err="1" smtClean="0"/>
+              <a:t>setup.php</a:t>
+            </a:r>
+            <a:r>
+              <a:rPr lang="en-US" sz="1800" dirty="0" smtClean="0"/>
+              <a:t>  </a:t>
+            </a:r>
+            <a:r>
+              <a:rPr lang="en-US" sz="1800" dirty="0">
+                <a:sym typeface="Wingdings" pitchFamily="2" charset="2"/>
+              </a:rPr>
+              <a:t>(</a:t>
+            </a:r>
+            <a:r>
+              <a:rPr lang="en-US" sz="1800" dirty="0" smtClean="0">
+                <a:sym typeface="Wingdings" pitchFamily="2" charset="2"/>
+              </a:rPr>
+              <a:t> </a:t>
+            </a:r>
+            <a:r>
+              <a:rPr lang="en-US" sz="1800" dirty="0" smtClean="0">
+                <a:sym typeface="Wingdings" pitchFamily="2" charset="2"/>
+              </a:rPr>
+              <a:t>This will create </a:t>
+            </a:r>
+            <a:r>
+              <a:rPr lang="en-US" sz="1800" dirty="0" err="1" smtClean="0">
+                <a:sym typeface="Wingdings" pitchFamily="2" charset="2"/>
+              </a:rPr>
+              <a:t>composer.phar</a:t>
+            </a:r>
+            <a:r>
+              <a:rPr lang="en-US" sz="1800" dirty="0" smtClean="0">
+                <a:sym typeface="Wingdings" pitchFamily="2" charset="2"/>
+              </a:rPr>
+              <a:t> </a:t>
+            </a:r>
+            <a:r>
+              <a:rPr lang="en-US" sz="1800" dirty="0" smtClean="0">
+                <a:sym typeface="Wingdings" pitchFamily="2" charset="2"/>
+              </a:rPr>
+              <a:t>)</a:t>
+            </a:r>
+            <a:endParaRPr lang="en-US" sz="1800" dirty="0" smtClean="0"/>
+          </a:p>
+          <a:p>
+            <a:r>
+              <a:rPr lang="en-US" sz="2000" dirty="0" smtClean="0"/>
+              <a:t>Remove the installer   </a:t>
+            </a:r>
+            <a:endParaRPr lang="en-US" sz="2000" dirty="0">
+              <a:sym typeface="Wingdings" pitchFamily="2" charset="2"/>
+            </a:endParaRPr>
+          </a:p>
+          <a:p>
+            <a:pPr lvl="1"/>
+            <a:r>
+              <a:rPr lang="en-US" sz="1800" dirty="0" smtClean="0">
+                <a:sym typeface="Wingdings" pitchFamily="2" charset="2"/>
+              </a:rPr>
+              <a:t> </a:t>
+            </a:r>
+            <a:r>
+              <a:rPr lang="en-US" sz="1800" dirty="0" smtClean="0"/>
+              <a:t> </a:t>
+            </a:r>
+            <a:r>
+              <a:rPr lang="en-US" sz="1800" dirty="0" err="1" smtClean="0"/>
+              <a:t>php</a:t>
+            </a:r>
+            <a:r>
+              <a:rPr lang="en-US" sz="1800" dirty="0" smtClean="0"/>
+              <a:t> -r "unlink('composer-setup.php');“</a:t>
+            </a:r>
+          </a:p>
+          <a:p>
+            <a:r>
+              <a:rPr lang="en-US" sz="2000" dirty="0" smtClean="0"/>
+              <a:t>Make composer as a global  by moving  to bin </a:t>
+            </a:r>
+            <a:endParaRPr lang="en-US" sz="2000" dirty="0">
+              <a:sym typeface="Wingdings" pitchFamily="2" charset="2"/>
+            </a:endParaRPr>
+          </a:p>
+          <a:p>
+            <a:pPr lvl="1"/>
+            <a:r>
+              <a:rPr lang="en-US" sz="1800" dirty="0" smtClean="0">
+                <a:sym typeface="Wingdings" pitchFamily="2" charset="2"/>
+              </a:rPr>
+              <a:t> </a:t>
+            </a:r>
+            <a:r>
+              <a:rPr lang="en-US" sz="1800" dirty="0" smtClean="0"/>
+              <a:t>mv </a:t>
+            </a:r>
+            <a:r>
+              <a:rPr lang="en-US" sz="1800" dirty="0" err="1" smtClean="0"/>
+              <a:t>composer.phar</a:t>
+            </a:r>
+            <a:r>
+              <a:rPr lang="en-US" sz="1800" dirty="0" smtClean="0"/>
+              <a:t> /</a:t>
+            </a:r>
+            <a:r>
+              <a:rPr lang="en-US" sz="1800" dirty="0" err="1" smtClean="0"/>
+              <a:t>usr</a:t>
+            </a:r>
+            <a:r>
+              <a:rPr lang="en-US" sz="1800" dirty="0" smtClean="0"/>
+              <a:t>/local/bin/composer   </a:t>
+            </a:r>
+            <a:endParaRPr lang="en-US" sz="1800" dirty="0" smtClean="0">
+              <a:sym typeface="Wingdings" pitchFamily="2" charset="2"/>
+            </a:endParaRPr>
+          </a:p>
+          <a:p>
             <a:r>
               <a:rPr lang="en-US" sz="2000" dirty="0" smtClean="0">
                 <a:sym typeface="Wingdings" pitchFamily="2" charset="2"/>
               </a:rPr>
-              <a:t></a:t>
-            </a:r>
-            <a:r>
-              <a:rPr lang="en-US" sz="2000" dirty="0" smtClean="0"/>
-              <a:t>  </a:t>
-            </a:r>
-            <a:r>
-              <a:rPr lang="pt-BR" sz="2000" dirty="0" smtClean="0"/>
-              <a:t>php -r "copy('https://getcomposer.org/installer', 'composer-setup.php');“ </a:t>
-            </a:r>
-          </a:p>
-          <a:p>
-            <a:r>
-              <a:rPr lang="en-US" sz="2000" dirty="0" smtClean="0"/>
-              <a:t>Verify the installer  though hash key SHA-384  </a:t>
-            </a:r>
-            <a:r>
-              <a:rPr lang="en-US" sz="2000" dirty="0" smtClean="0">
-                <a:sym typeface="Wingdings" pitchFamily="2" charset="2"/>
-              </a:rPr>
-              <a:t></a:t>
-            </a:r>
-            <a:r>
-              <a:rPr lang="en-US" sz="2000" dirty="0" smtClean="0"/>
-              <a:t>  </a:t>
-            </a:r>
-            <a:r>
-              <a:rPr lang="en-US" sz="2000" dirty="0" err="1" smtClean="0"/>
-              <a:t>php</a:t>
-            </a:r>
-            <a:r>
-              <a:rPr lang="en-US" sz="2000" dirty="0" smtClean="0"/>
-              <a:t> -r "if (</a:t>
-            </a:r>
-            <a:r>
-              <a:rPr lang="en-US" sz="2000" dirty="0" err="1" smtClean="0"/>
-              <a:t>hash_file</a:t>
-            </a:r>
-            <a:r>
-              <a:rPr lang="en-US" sz="2000" dirty="0" smtClean="0"/>
-              <a:t>('SHA384', 'composer-setup.php') === 'e115a8dc7871f15d853148a7fbac7da27d6c0030b848d9b3dc09e2a0388afed865e6a3d6b3c0fad45c48e2b5fc1196ae') { echo 'Installer verified'; } else { echo 'Installer corrupt'; unlink('composer-setup.php'); } echo PHP_EOL;“</a:t>
-            </a:r>
-          </a:p>
-          <a:p>
-            <a:r>
-              <a:rPr lang="en-US" sz="2000" dirty="0" smtClean="0"/>
-              <a:t>Run the installer  </a:t>
-            </a:r>
-            <a:r>
-              <a:rPr lang="en-US" sz="2000" dirty="0" smtClean="0">
-                <a:sym typeface="Wingdings" pitchFamily="2" charset="2"/>
-              </a:rPr>
-              <a:t></a:t>
-            </a:r>
-            <a:r>
-              <a:rPr lang="en-US" sz="2000" dirty="0" smtClean="0"/>
-              <a:t>  </a:t>
-            </a:r>
-            <a:r>
-              <a:rPr lang="en-US" sz="2000" dirty="0" err="1" smtClean="0"/>
-              <a:t>php</a:t>
-            </a:r>
-            <a:r>
-              <a:rPr lang="en-US" sz="2000" dirty="0" smtClean="0"/>
-              <a:t> composer-setup.php  </a:t>
-            </a:r>
-            <a:r>
-              <a:rPr lang="en-US" sz="2000" dirty="0" smtClean="0">
-                <a:sym typeface="Wingdings" pitchFamily="2" charset="2"/>
-              </a:rPr>
-              <a:t> This will create </a:t>
-            </a:r>
-            <a:r>
-              <a:rPr lang="en-US" sz="2000" dirty="0" err="1" smtClean="0">
-                <a:sym typeface="Wingdings" pitchFamily="2" charset="2"/>
-              </a:rPr>
-              <a:t>composer.phar</a:t>
-            </a:r>
-            <a:r>
-              <a:rPr lang="en-US" sz="2000" dirty="0" smtClean="0">
-                <a:sym typeface="Wingdings" pitchFamily="2" charset="2"/>
-              </a:rPr>
-              <a:t> .</a:t>
-            </a:r>
-            <a:endParaRPr lang="en-US" sz="2000" dirty="0" smtClean="0"/>
-          </a:p>
-          <a:p>
-            <a:r>
-              <a:rPr lang="en-US" sz="2000" dirty="0" smtClean="0"/>
-              <a:t>Remove the installer   </a:t>
-            </a:r>
-            <a:r>
-              <a:rPr lang="en-US" sz="2000" dirty="0" smtClean="0">
-                <a:sym typeface="Wingdings" pitchFamily="2" charset="2"/>
-              </a:rPr>
-              <a:t> </a:t>
-            </a:r>
-            <a:r>
-              <a:rPr lang="en-US" sz="2000" dirty="0" smtClean="0"/>
-              <a:t> </a:t>
-            </a:r>
-            <a:r>
-              <a:rPr lang="en-US" sz="2000" dirty="0" err="1" smtClean="0"/>
-              <a:t>php</a:t>
-            </a:r>
-            <a:r>
-              <a:rPr lang="en-US" sz="2000" dirty="0" smtClean="0"/>
-              <a:t> -r "unlink('composer-setup.php');“</a:t>
-            </a:r>
-          </a:p>
-          <a:p>
-            <a:r>
-              <a:rPr lang="en-US" sz="2000" dirty="0" smtClean="0"/>
-              <a:t>Make composer as a global  by moving  to bin </a:t>
-            </a:r>
-            <a:r>
-              <a:rPr lang="en-US" sz="2000" dirty="0" smtClean="0">
-                <a:sym typeface="Wingdings" pitchFamily="2" charset="2"/>
-              </a:rPr>
-              <a:t> </a:t>
-            </a:r>
-            <a:r>
-              <a:rPr lang="en-US" sz="2000" dirty="0" err="1" smtClean="0"/>
-              <a:t>mv</a:t>
-            </a:r>
-            <a:r>
-              <a:rPr lang="en-US" sz="2000" dirty="0" smtClean="0"/>
-              <a:t> </a:t>
-            </a:r>
-            <a:r>
-              <a:rPr lang="en-US" sz="2000" dirty="0" err="1" smtClean="0"/>
-              <a:t>composer.phar</a:t>
-            </a:r>
-            <a:r>
-              <a:rPr lang="en-US" sz="2000" dirty="0" smtClean="0"/>
-              <a:t> /</a:t>
-            </a:r>
-            <a:r>
-              <a:rPr lang="en-US" sz="2000" dirty="0" err="1" smtClean="0"/>
-              <a:t>usr</a:t>
-            </a:r>
-            <a:r>
-              <a:rPr lang="en-US" sz="2000" dirty="0" smtClean="0"/>
-              <a:t>/local/bin/composer   </a:t>
+              <a:t>Check composer is installed </a:t>
             </a:r>
             <a:endParaRPr lang="en-US" sz="2000" dirty="0" smtClean="0">
               <a:sym typeface="Wingdings" pitchFamily="2" charset="2"/>
             </a:endParaRPr>
           </a:p>
           <a:p>
-            <a:r>
-              <a:rPr lang="en-US" sz="2000" dirty="0" smtClean="0">
+            <a:pPr lvl="1"/>
+            <a:r>
+              <a:rPr lang="en-US" sz="1800" dirty="0" smtClean="0">
                 <a:sym typeface="Wingdings" pitchFamily="2" charset="2"/>
               </a:rPr>
-              <a:t>Check composer is installed  </a:t>
-            </a:r>
-            <a:r>
-              <a:rPr lang="en-US" sz="2000" dirty="0" smtClean="0">
-                <a:sym typeface="Wingdings" pitchFamily="2" charset="2"/>
-              </a:rPr>
-              <a:t> </a:t>
-            </a:r>
-            <a:r>
-              <a:rPr lang="en-US" sz="2000" dirty="0" smtClean="0">
+              <a:t>  </a:t>
+            </a:r>
+            <a:r>
+              <a:rPr lang="en-US" sz="1800" dirty="0" smtClean="0">
                 <a:sym typeface="Wingdings" pitchFamily="2" charset="2"/>
               </a:rPr>
               <a:t>composer  -V</a:t>
             </a:r>
-            <a:endParaRPr lang="en-US" sz="2000" dirty="0" smtClean="0"/>
+            <a:endParaRPr lang="en-US" sz="1800" dirty="0" smtClean="0"/>
           </a:p>
           <a:p>
             <a:endParaRPr lang="en-US" sz="2000" dirty="0" smtClean="0"/>
@@ -6463,6 +6772,13 @@
   <p:clrMapOvr>
     <a:masterClrMapping/>
   </p:clrMapOvr>
+  <p:timing>
+    <p:tnLst>
+      <p:par>
+        <p:cTn id="1" dur="indefinite" restart="never" nodeType="tmRoot"/>
+      </p:par>
+    </p:tnLst>
+  </p:timing>
 </p:sld>
 </file>
 
